--- a/material de estudo/Herança.pptx
+++ b/material de estudo/Herança.pptx
@@ -23,9 +23,11 @@
     <p:sldId id="267" r:id="rId17"/>
     <p:sldId id="268" r:id="rId18"/>
     <p:sldId id="269" r:id="rId19"/>
-    <p:sldId id="274" r:id="rId20"/>
-    <p:sldId id="275" r:id="rId21"/>
-    <p:sldId id="276" r:id="rId22"/>
+    <p:sldId id="277" r:id="rId20"/>
+    <p:sldId id="274" r:id="rId21"/>
+    <p:sldId id="275" r:id="rId22"/>
+    <p:sldId id="278" r:id="rId23"/>
+    <p:sldId id="276" r:id="rId24"/>
   </p:sldIdLst>
   <p:sldSz cx="12192000" cy="6858000"/>
   <p:notesSz cx="6858000" cy="9144000"/>
@@ -279,7 +281,7 @@
           <a:p>
             <a:fld id="{8672E9EF-754A-427A-91AB-21444A28D468}" type="datetimeFigureOut">
               <a:rPr lang="pt-BR" smtClean="0"/>
-              <a:t>18/03/2024</a:t>
+              <a:t>08/04/2025</a:t>
             </a:fld>
             <a:endParaRPr lang="pt-BR"/>
           </a:p>
@@ -477,7 +479,7 @@
           <a:p>
             <a:fld id="{8672E9EF-754A-427A-91AB-21444A28D468}" type="datetimeFigureOut">
               <a:rPr lang="pt-BR" smtClean="0"/>
-              <a:t>18/03/2024</a:t>
+              <a:t>08/04/2025</a:t>
             </a:fld>
             <a:endParaRPr lang="pt-BR"/>
           </a:p>
@@ -685,7 +687,7 @@
           <a:p>
             <a:fld id="{8672E9EF-754A-427A-91AB-21444A28D468}" type="datetimeFigureOut">
               <a:rPr lang="pt-BR" smtClean="0"/>
-              <a:t>18/03/2024</a:t>
+              <a:t>08/04/2025</a:t>
             </a:fld>
             <a:endParaRPr lang="pt-BR"/>
           </a:p>
@@ -883,7 +885,7 @@
           <a:p>
             <a:fld id="{8672E9EF-754A-427A-91AB-21444A28D468}" type="datetimeFigureOut">
               <a:rPr lang="pt-BR" smtClean="0"/>
-              <a:t>18/03/2024</a:t>
+              <a:t>08/04/2025</a:t>
             </a:fld>
             <a:endParaRPr lang="pt-BR"/>
           </a:p>
@@ -1158,7 +1160,7 @@
           <a:p>
             <a:fld id="{8672E9EF-754A-427A-91AB-21444A28D468}" type="datetimeFigureOut">
               <a:rPr lang="pt-BR" smtClean="0"/>
-              <a:t>18/03/2024</a:t>
+              <a:t>08/04/2025</a:t>
             </a:fld>
             <a:endParaRPr lang="pt-BR"/>
           </a:p>
@@ -1423,7 +1425,7 @@
           <a:p>
             <a:fld id="{8672E9EF-754A-427A-91AB-21444A28D468}" type="datetimeFigureOut">
               <a:rPr lang="pt-BR" smtClean="0"/>
-              <a:t>18/03/2024</a:t>
+              <a:t>08/04/2025</a:t>
             </a:fld>
             <a:endParaRPr lang="pt-BR"/>
           </a:p>
@@ -1835,7 +1837,7 @@
           <a:p>
             <a:fld id="{8672E9EF-754A-427A-91AB-21444A28D468}" type="datetimeFigureOut">
               <a:rPr lang="pt-BR" smtClean="0"/>
-              <a:t>18/03/2024</a:t>
+              <a:t>08/04/2025</a:t>
             </a:fld>
             <a:endParaRPr lang="pt-BR"/>
           </a:p>
@@ -1976,7 +1978,7 @@
           <a:p>
             <a:fld id="{8672E9EF-754A-427A-91AB-21444A28D468}" type="datetimeFigureOut">
               <a:rPr lang="pt-BR" smtClean="0"/>
-              <a:t>18/03/2024</a:t>
+              <a:t>08/04/2025</a:t>
             </a:fld>
             <a:endParaRPr lang="pt-BR"/>
           </a:p>
@@ -2089,7 +2091,7 @@
           <a:p>
             <a:fld id="{8672E9EF-754A-427A-91AB-21444A28D468}" type="datetimeFigureOut">
               <a:rPr lang="pt-BR" smtClean="0"/>
-              <a:t>18/03/2024</a:t>
+              <a:t>08/04/2025</a:t>
             </a:fld>
             <a:endParaRPr lang="pt-BR"/>
           </a:p>
@@ -2400,7 +2402,7 @@
           <a:p>
             <a:fld id="{8672E9EF-754A-427A-91AB-21444A28D468}" type="datetimeFigureOut">
               <a:rPr lang="pt-BR" smtClean="0"/>
-              <a:t>18/03/2024</a:t>
+              <a:t>08/04/2025</a:t>
             </a:fld>
             <a:endParaRPr lang="pt-BR"/>
           </a:p>
@@ -2688,7 +2690,7 @@
           <a:p>
             <a:fld id="{8672E9EF-754A-427A-91AB-21444A28D468}" type="datetimeFigureOut">
               <a:rPr lang="pt-BR" smtClean="0"/>
-              <a:t>18/03/2024</a:t>
+              <a:t>08/04/2025</a:t>
             </a:fld>
             <a:endParaRPr lang="pt-BR"/>
           </a:p>
@@ -2929,7 +2931,7 @@
           <a:p>
             <a:fld id="{8672E9EF-754A-427A-91AB-21444A28D468}" type="datetimeFigureOut">
               <a:rPr lang="pt-BR" smtClean="0"/>
-              <a:t>18/03/2024</a:t>
+              <a:t>08/04/2025</a:t>
             </a:fld>
             <a:endParaRPr lang="pt-BR"/>
           </a:p>
@@ -4105,19 +4107,27 @@
             </a:pPr>
             <a:r>
               <a:rPr lang="pt-BR" dirty="0" err="1"/>
+              <a:t>public</a:t>
+            </a:r>
+            <a:r>
+              <a:rPr lang="pt-BR" dirty="0"/>
+              <a:t> </a:t>
+            </a:r>
+            <a:r>
+              <a:rPr lang="pt-BR" dirty="0" err="1"/>
+              <a:t>String</a:t>
+            </a:r>
+            <a:r>
+              <a:rPr lang="pt-BR" dirty="0"/>
+              <a:t> </a:t>
+            </a:r>
+            <a:r>
+              <a:rPr lang="pt-BR" dirty="0" err="1"/>
               <a:t>toString</a:t>
             </a:r>
             <a:r>
               <a:rPr lang="pt-BR" dirty="0"/>
-              <a:t>(): </a:t>
-            </a:r>
-            <a:r>
-              <a:rPr lang="pt-BR" dirty="0" err="1"/>
-              <a:t>string</a:t>
-            </a:r>
-            <a:r>
-              <a:rPr lang="pt-BR" dirty="0"/>
-              <a:t> {</a:t>
+              <a:t>() {</a:t>
             </a:r>
           </a:p>
           <a:p>
@@ -4134,7 +4144,7 @@
             </a:r>
             <a:r>
               <a:rPr lang="pt-BR" dirty="0"/>
-              <a:t> `${</a:t>
+              <a:t> </a:t>
             </a:r>
             <a:r>
               <a:rPr lang="pt-BR" dirty="0" err="1"/>
@@ -4142,24 +4152,21 @@
             </a:r>
             <a:r>
               <a:rPr lang="pt-BR" dirty="0"/>
-              <a:t>()} </a:t>
+              <a:t>() + “</a:t>
             </a:r>
             <a:r>
               <a:rPr lang="pt-BR" dirty="0" err="1"/>
-              <a:t>Poisonous</a:t>
-            </a:r>
-            <a:r>
-              <a:rPr lang="pt-BR" dirty="0"/>
-              <a:t>: ${</a:t>
+              <a:t>Bônu</a:t>
+            </a:r>
+            <a:r>
+              <a:rPr lang="pt-BR" dirty="0"/>
+              <a:t> ” + </a:t>
             </a:r>
             <a:r>
               <a:rPr lang="pt-BR" dirty="0" err="1"/>
-              <a:t>this.poisonous</a:t>
-            </a:r>
-            <a:r>
-              <a:rPr lang="pt-BR" dirty="0"/>
-              <a:t>}`</a:t>
-            </a:r>
+              <a:t>this.bonus</a:t>
+            </a:r>
+            <a:endParaRPr lang="pt-BR" dirty="0"/>
           </a:p>
           <a:p>
             <a:pPr marL="0" indent="0">
@@ -4167,7 +4174,7 @@
             </a:pPr>
             <a:r>
               <a:rPr lang="pt-BR" dirty="0"/>
-              <a:t>    }</a:t>
+              <a:t>}</a:t>
             </a:r>
           </a:p>
         </p:txBody>
@@ -4253,13 +4260,29 @@
           <a:p>
             <a:r>
               <a:rPr lang="pt-BR" dirty="0"/>
-              <a:t>herdamos move(), mas não o queremos</a:t>
-            </a:r>
-          </a:p>
-          <a:p>
-            <a:r>
-              <a:rPr lang="pt-BR" dirty="0"/>
-              <a:t>vamos anular o método move()</a:t>
+              <a:t>herdamos </a:t>
+            </a:r>
+            <a:r>
+              <a:rPr lang="pt-BR" dirty="0" err="1"/>
+              <a:t>calculaSalario</a:t>
+            </a:r>
+            <a:r>
+              <a:rPr lang="pt-BR" dirty="0"/>
+              <a:t>(), mas não o queremos</a:t>
+            </a:r>
+          </a:p>
+          <a:p>
+            <a:r>
+              <a:rPr lang="pt-BR" dirty="0"/>
+              <a:t>vamos anular o método </a:t>
+            </a:r>
+            <a:r>
+              <a:rPr lang="pt-BR" dirty="0" err="1"/>
+              <a:t>calculaSalario</a:t>
+            </a:r>
+            <a:r>
+              <a:rPr lang="pt-BR" dirty="0"/>
+              <a:t>()</a:t>
             </a:r>
           </a:p>
           <a:p>
@@ -4271,7 +4294,15 @@
             </a:pPr>
             <a:r>
               <a:rPr lang="en-US" dirty="0"/>
-              <a:t>move(): string {</a:t>
+              <a:t>public float </a:t>
+            </a:r>
+            <a:r>
+              <a:rPr lang="en-US" dirty="0" err="1"/>
+              <a:t>calculaSalario</a:t>
+            </a:r>
+            <a:r>
+              <a:rPr lang="en-US" dirty="0"/>
+              <a:t>() {</a:t>
             </a:r>
           </a:p>
           <a:p>
@@ -4280,7 +4311,23 @@
             </a:pPr>
             <a:r>
               <a:rPr lang="en-US" dirty="0"/>
-              <a:t>        return `snake crawling`</a:t>
+              <a:t>        return </a:t>
+            </a:r>
+            <a:r>
+              <a:rPr lang="en-US" dirty="0" err="1"/>
+              <a:t>this.salario</a:t>
+            </a:r>
+            <a:r>
+              <a:rPr lang="en-US" dirty="0"/>
+              <a:t> + </a:t>
+            </a:r>
+            <a:r>
+              <a:rPr lang="en-US" dirty="0" err="1"/>
+              <a:t>this.bonus</a:t>
+            </a:r>
+            <a:r>
+              <a:rPr lang="en-US" dirty="0"/>
+              <a:t>;</a:t>
             </a:r>
           </a:p>
           <a:p>
@@ -4289,7 +4336,7 @@
             </a:pPr>
             <a:r>
               <a:rPr lang="en-US" dirty="0"/>
-              <a:t>    }</a:t>
+              <a:t>}</a:t>
             </a:r>
             <a:endParaRPr lang="pt-BR" dirty="0"/>
           </a:p>
@@ -4509,7 +4556,7 @@
         <p:spPr/>
         <p:txBody>
           <a:bodyPr>
-            <a:normAutofit fontScale="92500" lnSpcReduction="10000"/>
+            <a:normAutofit/>
           </a:bodyPr>
           <a:lstStyle/>
           <a:p>
@@ -4517,8 +4564,59 @@
               <a:buNone/>
             </a:pPr>
             <a:r>
+              <a:rPr lang="pt-BR" dirty="0"/>
+              <a:t>  // exemplo de polimorfismo</a:t>
+            </a:r>
+          </a:p>
+          <a:p>
+            <a:pPr marL="0" indent="0">
+              <a:buNone/>
+            </a:pPr>
+            <a:r>
+              <a:rPr lang="pt-BR" dirty="0"/>
+              <a:t>  // o </a:t>
+            </a:r>
+            <a:r>
               <a:rPr lang="pt-BR" dirty="0" err="1"/>
-              <a:t>function</a:t>
+              <a:t>obj</a:t>
+            </a:r>
+            <a:r>
+              <a:rPr lang="pt-BR" dirty="0"/>
+              <a:t> vai se comporta como um Assistente, um Gerente ou um Diretor</a:t>
+            </a:r>
+          </a:p>
+          <a:p>
+            <a:pPr marL="0" indent="0">
+              <a:buNone/>
+            </a:pPr>
+            <a:r>
+              <a:rPr lang="pt-BR" dirty="0"/>
+              <a:t>    // depende do que foi passado como parâmetro</a:t>
+            </a:r>
+          </a:p>
+          <a:p>
+            <a:pPr marL="0" indent="0">
+              <a:buNone/>
+            </a:pPr>
+            <a:r>
+              <a:rPr lang="pt-BR" dirty="0" err="1"/>
+              <a:t>public</a:t>
+            </a:r>
+            <a:r>
+              <a:rPr lang="pt-BR" dirty="0"/>
+              <a:t> </a:t>
+            </a:r>
+            <a:r>
+              <a:rPr lang="pt-BR" dirty="0" err="1"/>
+              <a:t>static</a:t>
+            </a:r>
+            <a:r>
+              <a:rPr lang="pt-BR" dirty="0"/>
+              <a:t> </a:t>
+            </a:r>
+            <a:r>
+              <a:rPr lang="pt-BR" dirty="0" err="1"/>
+              <a:t>void</a:t>
             </a:r>
             <a:r>
               <a:rPr lang="pt-BR" dirty="0"/>
@@ -4534,19 +4632,19 @@
             </a:r>
             <a:r>
               <a:rPr lang="pt-BR" dirty="0" err="1"/>
-              <a:t>cameleao</a:t>
-            </a:r>
-            <a:r>
-              <a:rPr lang="pt-BR" dirty="0"/>
-              <a:t>: Animal): </a:t>
+              <a:t>Funcionario</a:t>
+            </a:r>
+            <a:r>
+              <a:rPr lang="pt-BR" dirty="0"/>
+              <a:t> </a:t>
             </a:r>
             <a:r>
               <a:rPr lang="pt-BR" dirty="0" err="1"/>
-              <a:t>void</a:t>
-            </a:r>
-            <a:r>
-              <a:rPr lang="pt-BR" dirty="0"/>
-              <a:t>{</a:t>
+              <a:t>obj</a:t>
+            </a:r>
+            <a:r>
+              <a:rPr lang="pt-BR" dirty="0"/>
+              <a:t>){</a:t>
             </a:r>
           </a:p>
           <a:p>
@@ -4555,15 +4653,23 @@
             </a:pPr>
             <a:r>
               <a:rPr lang="pt-BR" dirty="0"/>
-              <a:t>    // se a função for chamada passando uma cobra, </a:t>
+              <a:t>        </a:t>
             </a:r>
             <a:r>
               <a:rPr lang="pt-BR" dirty="0" err="1"/>
-              <a:t>camaleao</a:t>
-            </a:r>
-            <a:r>
-              <a:rPr lang="pt-BR" dirty="0"/>
-              <a:t> vai representar uma cobra</a:t>
+              <a:t>System.out.println</a:t>
+            </a:r>
+            <a:r>
+              <a:rPr lang="pt-BR" dirty="0"/>
+              <a:t>(</a:t>
+            </a:r>
+            <a:r>
+              <a:rPr lang="pt-BR" dirty="0" err="1"/>
+              <a:t>obj.toString</a:t>
+            </a:r>
+            <a:r>
+              <a:rPr lang="pt-BR" dirty="0"/>
+              <a:t>());</a:t>
             </a:r>
           </a:p>
           <a:p>
@@ -4572,15 +4678,23 @@
             </a:pPr>
             <a:r>
               <a:rPr lang="pt-BR" dirty="0"/>
-              <a:t>    // e portanto, será executado o </a:t>
+              <a:t>        </a:t>
             </a:r>
             <a:r>
               <a:rPr lang="pt-BR" dirty="0" err="1"/>
-              <a:t>toString</a:t>
-            </a:r>
-            <a:r>
-              <a:rPr lang="pt-BR" dirty="0"/>
-              <a:t>() e o move() da cobra</a:t>
+              <a:t>System.out.println</a:t>
+            </a:r>
+            <a:r>
+              <a:rPr lang="pt-BR" dirty="0"/>
+              <a:t>("Salário final " + </a:t>
+            </a:r>
+            <a:r>
+              <a:rPr lang="pt-BR" dirty="0" err="1"/>
+              <a:t>obj.calculaSalario</a:t>
+            </a:r>
+            <a:r>
+              <a:rPr lang="pt-BR" dirty="0"/>
+              <a:t>());</a:t>
             </a:r>
           </a:p>
           <a:p>
@@ -4589,75 +4703,7 @@
             </a:pPr>
             <a:r>
               <a:rPr lang="pt-BR" dirty="0"/>
-              <a:t>    // se a função for chamada passando um cavalo, </a:t>
-            </a:r>
-            <a:r>
-              <a:rPr lang="pt-BR" dirty="0" err="1"/>
-              <a:t>camaleao</a:t>
-            </a:r>
-            <a:r>
-              <a:rPr lang="pt-BR" dirty="0"/>
-              <a:t> vai representar um cavalo</a:t>
-            </a:r>
-          </a:p>
-          <a:p>
-            <a:pPr marL="0" indent="0">
-              <a:buNone/>
-            </a:pPr>
-            <a:r>
-              <a:rPr lang="pt-BR" dirty="0"/>
-              <a:t>    // e portanto, será executado o </a:t>
-            </a:r>
-            <a:r>
-              <a:rPr lang="pt-BR" dirty="0" err="1"/>
-              <a:t>toString</a:t>
-            </a:r>
-            <a:r>
-              <a:rPr lang="pt-BR" dirty="0"/>
-              <a:t>() e o move() do cavalo</a:t>
-            </a:r>
-          </a:p>
-          <a:p>
-            <a:pPr marL="0" indent="0">
-              <a:buNone/>
-            </a:pPr>
-            <a:r>
-              <a:rPr lang="pt-BR" dirty="0"/>
-              <a:t>    console.log(</a:t>
-            </a:r>
-            <a:r>
-              <a:rPr lang="pt-BR" dirty="0" err="1"/>
-              <a:t>cameleao.toString</a:t>
-            </a:r>
-            <a:r>
-              <a:rPr lang="pt-BR" dirty="0"/>
-              <a:t>()) // polimorfismo</a:t>
-            </a:r>
-          </a:p>
-          <a:p>
-            <a:pPr marL="0" indent="0">
-              <a:buNone/>
-            </a:pPr>
-            <a:r>
-              <a:rPr lang="pt-BR" dirty="0"/>
-              <a:t>    console.log(</a:t>
-            </a:r>
-            <a:r>
-              <a:rPr lang="pt-BR" dirty="0" err="1"/>
-              <a:t>cameleao.move</a:t>
-            </a:r>
-            <a:r>
-              <a:rPr lang="pt-BR" dirty="0"/>
-              <a:t>()) // polimorfismo</a:t>
-            </a:r>
-          </a:p>
-          <a:p>
-            <a:pPr marL="0" indent="0">
-              <a:buNone/>
-            </a:pPr>
-            <a:r>
-              <a:rPr lang="pt-BR" dirty="0"/>
-              <a:t>}</a:t>
+              <a:t>    }</a:t>
             </a:r>
           </a:p>
         </p:txBody>
@@ -4697,7 +4743,7 @@
           <p:cNvPr id="2" name="Título 1">
             <a:extLst>
               <a:ext uri="{FF2B5EF4-FFF2-40B4-BE49-F238E27FC236}">
-                <a16:creationId xmlns:a16="http://schemas.microsoft.com/office/drawing/2014/main" id="{5F9DC683-98DE-3D8E-1B5D-1725A4F84284}"/>
+                <a16:creationId xmlns:a16="http://schemas.microsoft.com/office/drawing/2014/main" id="{FC14D2B3-4338-6ADF-7382-3D448977F705}"/>
               </a:ext>
             </a:extLst>
           </p:cNvPr>
@@ -4715,7 +4761,7 @@
           <a:p>
             <a:r>
               <a:rPr lang="pt-BR" dirty="0"/>
-              <a:t>Classe Abstrata</a:t>
+              <a:t>Polimorfismo - exemplo</a:t>
             </a:r>
           </a:p>
         </p:txBody>
@@ -4725,7 +4771,7 @@
           <p:cNvPr id="3" name="Espaço Reservado para Conteúdo 2">
             <a:extLst>
               <a:ext uri="{FF2B5EF4-FFF2-40B4-BE49-F238E27FC236}">
-                <a16:creationId xmlns:a16="http://schemas.microsoft.com/office/drawing/2014/main" id="{3F5EBC58-B7DF-BB7C-43F6-BD4A73EA701D}"/>
+                <a16:creationId xmlns:a16="http://schemas.microsoft.com/office/drawing/2014/main" id="{583DD91E-DB6B-E48A-B301-82FC0780F0DA}"/>
               </a:ext>
             </a:extLst>
           </p:cNvPr>
@@ -4738,48 +4784,91 @@
         </p:nvSpPr>
         <p:spPr/>
         <p:txBody>
-          <a:bodyPr/>
-          <a:lstStyle/>
-          <a:p>
-            <a:r>
-              <a:rPr lang="pt-BR" dirty="0">
-                <a:solidFill>
-                  <a:srgbClr val="0D0D0D"/>
-                </a:solidFill>
-                <a:latin typeface="Söhne"/>
-              </a:rPr>
-              <a:t>É</a:t>
-            </a:r>
-            <a:r>
-              <a:rPr lang="pt-BR" b="0" i="0" dirty="0">
-                <a:solidFill>
-                  <a:srgbClr val="0D0D0D"/>
-                </a:solidFill>
-                <a:effectLst/>
-                <a:latin typeface="Söhne"/>
-              </a:rPr>
-              <a:t> uma classe que não pode ser instanciada diretamente, mas pode ser usada como uma superclasse para outras classes. </a:t>
-            </a:r>
-          </a:p>
-          <a:p>
-            <a:r>
-              <a:rPr lang="pt-BR" b="0" i="0" dirty="0">
-                <a:solidFill>
-                  <a:srgbClr val="0D0D0D"/>
-                </a:solidFill>
-                <a:effectLst/>
-                <a:latin typeface="Söhne"/>
-              </a:rPr>
-              <a:t>Ela serve como um esqueleto para outras classes que estendem dela, fornecendo implementações parciais ou completas de métodos, enquanto ainda permitindo que subclasses forneçam suas próprias implementações.</a:t>
-            </a:r>
-            <a:endParaRPr lang="pt-BR" dirty="0"/>
+          <a:bodyPr>
+            <a:normAutofit/>
+          </a:bodyPr>
+          <a:lstStyle/>
+          <a:p>
+            <a:pPr marL="0" indent="0">
+              <a:buNone/>
+            </a:pPr>
+            <a:r>
+              <a:rPr lang="pt-BR" dirty="0"/>
+              <a:t>// cria 1 objeto (instância) de cada classe Assistente, Gerente e Diretor</a:t>
+            </a:r>
+          </a:p>
+          <a:p>
+            <a:pPr marL="0" indent="0">
+              <a:buNone/>
+            </a:pPr>
+            <a:r>
+              <a:rPr lang="pt-BR" dirty="0"/>
+              <a:t>Assistente as1 = new Assistente("Fabio", "123", "Centro", 3000, 10);</a:t>
+            </a:r>
+          </a:p>
+          <a:p>
+            <a:pPr marL="0" indent="0">
+              <a:buNone/>
+            </a:pPr>
+            <a:r>
+              <a:rPr lang="pt-BR" dirty="0"/>
+              <a:t>Gerente ge1 = new Gerente("Lucas", "456", "Estação", 5000, 1000);</a:t>
+            </a:r>
+          </a:p>
+          <a:p>
+            <a:pPr marL="0" indent="0">
+              <a:buNone/>
+            </a:pPr>
+            <a:r>
+              <a:rPr lang="pt-BR" dirty="0"/>
+              <a:t>Diretor di1 = new Diretor("Luísa", "789", "Aeroporto", 7000, 1000);</a:t>
+            </a:r>
+          </a:p>
+          <a:p>
+            <a:pPr marL="0" indent="0">
+              <a:buNone/>
+            </a:pPr>
+            <a:r>
+              <a:rPr lang="pt-BR" dirty="0" err="1"/>
+              <a:t>exemploPolimorfismo</a:t>
+            </a:r>
+            <a:r>
+              <a:rPr lang="pt-BR" dirty="0"/>
+              <a:t>(as1);</a:t>
+            </a:r>
+          </a:p>
+          <a:p>
+            <a:pPr marL="0" indent="0">
+              <a:buNone/>
+            </a:pPr>
+            <a:r>
+              <a:rPr lang="pt-BR" dirty="0" err="1"/>
+              <a:t>exemploPolimorfismo</a:t>
+            </a:r>
+            <a:r>
+              <a:rPr lang="pt-BR" dirty="0"/>
+              <a:t>(ge1);</a:t>
+            </a:r>
+          </a:p>
+          <a:p>
+            <a:pPr marL="0" indent="0">
+              <a:buNone/>
+            </a:pPr>
+            <a:r>
+              <a:rPr lang="pt-BR" dirty="0" err="1"/>
+              <a:t>exemploPolimorfismo</a:t>
+            </a:r>
+            <a:r>
+              <a:rPr lang="pt-BR" dirty="0"/>
+              <a:t>(di1);</a:t>
+            </a:r>
           </a:p>
         </p:txBody>
       </p:sp>
     </p:spTree>
     <p:extLst>
       <p:ext uri="{BB962C8B-B14F-4D97-AF65-F5344CB8AC3E}">
-        <p14:creationId xmlns:p14="http://schemas.microsoft.com/office/powerpoint/2010/main" val="448650355"/>
+        <p14:creationId xmlns:p14="http://schemas.microsoft.com/office/powerpoint/2010/main" val="1898060971"/>
       </p:ext>
     </p:extLst>
   </p:cSld>
@@ -4926,6 +5015,120 @@
           <p:cNvPr id="2" name="Título 1">
             <a:extLst>
               <a:ext uri="{FF2B5EF4-FFF2-40B4-BE49-F238E27FC236}">
+                <a16:creationId xmlns:a16="http://schemas.microsoft.com/office/drawing/2014/main" id="{5F9DC683-98DE-3D8E-1B5D-1725A4F84284}"/>
+              </a:ext>
+            </a:extLst>
+          </p:cNvPr>
+          <p:cNvSpPr>
+            <a:spLocks noGrp="1"/>
+          </p:cNvSpPr>
+          <p:nvPr>
+            <p:ph type="title"/>
+          </p:nvPr>
+        </p:nvSpPr>
+        <p:spPr/>
+        <p:txBody>
+          <a:bodyPr/>
+          <a:lstStyle/>
+          <a:p>
+            <a:r>
+              <a:rPr lang="pt-BR" dirty="0"/>
+              <a:t>Classe Abstrata</a:t>
+            </a:r>
+          </a:p>
+        </p:txBody>
+      </p:sp>
+      <p:sp>
+        <p:nvSpPr>
+          <p:cNvPr id="3" name="Espaço Reservado para Conteúdo 2">
+            <a:extLst>
+              <a:ext uri="{FF2B5EF4-FFF2-40B4-BE49-F238E27FC236}">
+                <a16:creationId xmlns:a16="http://schemas.microsoft.com/office/drawing/2014/main" id="{3F5EBC58-B7DF-BB7C-43F6-BD4A73EA701D}"/>
+              </a:ext>
+            </a:extLst>
+          </p:cNvPr>
+          <p:cNvSpPr>
+            <a:spLocks noGrp="1"/>
+          </p:cNvSpPr>
+          <p:nvPr>
+            <p:ph idx="1"/>
+          </p:nvPr>
+        </p:nvSpPr>
+        <p:spPr/>
+        <p:txBody>
+          <a:bodyPr/>
+          <a:lstStyle/>
+          <a:p>
+            <a:r>
+              <a:rPr lang="pt-BR" dirty="0">
+                <a:solidFill>
+                  <a:srgbClr val="0D0D0D"/>
+                </a:solidFill>
+                <a:latin typeface="Söhne"/>
+              </a:rPr>
+              <a:t>É</a:t>
+            </a:r>
+            <a:r>
+              <a:rPr lang="pt-BR" b="0" i="0" dirty="0">
+                <a:solidFill>
+                  <a:srgbClr val="0D0D0D"/>
+                </a:solidFill>
+                <a:effectLst/>
+                <a:latin typeface="Söhne"/>
+              </a:rPr>
+              <a:t> uma classe que não pode ser instanciada diretamente, mas pode ser usada como uma superclasse para outras classes. </a:t>
+            </a:r>
+          </a:p>
+          <a:p>
+            <a:r>
+              <a:rPr lang="pt-BR" b="0" i="0" dirty="0">
+                <a:solidFill>
+                  <a:srgbClr val="0D0D0D"/>
+                </a:solidFill>
+                <a:effectLst/>
+                <a:latin typeface="Söhne"/>
+              </a:rPr>
+              <a:t>Ela serve como um esqueleto para outras classes que estendem dela, fornecendo implementações parciais ou completas de métodos, enquanto ainda permitindo que subclasses forneçam suas próprias implementações.</a:t>
+            </a:r>
+            <a:endParaRPr lang="pt-BR" dirty="0"/>
+          </a:p>
+        </p:txBody>
+      </p:sp>
+    </p:spTree>
+    <p:extLst>
+      <p:ext uri="{BB962C8B-B14F-4D97-AF65-F5344CB8AC3E}">
+        <p14:creationId xmlns:p14="http://schemas.microsoft.com/office/powerpoint/2010/main" val="448650355"/>
+      </p:ext>
+    </p:extLst>
+  </p:cSld>
+  <p:clrMapOvr>
+    <a:masterClrMapping/>
+  </p:clrMapOvr>
+</p:sld>
+</file>
+
+<file path=ppt/slides/slide21.xml><?xml version="1.0" encoding="utf-8"?>
+<p:sld xmlns:a="http://schemas.openxmlformats.org/drawingml/2006/main" xmlns:r="http://schemas.openxmlformats.org/officeDocument/2006/relationships" xmlns:p="http://schemas.openxmlformats.org/presentationml/2006/main">
+  <p:cSld>
+    <p:spTree>
+      <p:nvGrpSpPr>
+        <p:cNvPr id="1" name=""/>
+        <p:cNvGrpSpPr/>
+        <p:nvPr/>
+      </p:nvGrpSpPr>
+      <p:grpSpPr>
+        <a:xfrm>
+          <a:off x="0" y="0"/>
+          <a:ext cx="0" cy="0"/>
+          <a:chOff x="0" y="0"/>
+          <a:chExt cx="0" cy="0"/>
+        </a:xfrm>
+      </p:grpSpPr>
+      <p:sp>
+        <p:nvSpPr>
+          <p:cNvPr id="2" name="Título 1">
+            <a:extLst>
+              <a:ext uri="{FF2B5EF4-FFF2-40B4-BE49-F238E27FC236}">
                 <a16:creationId xmlns:a16="http://schemas.microsoft.com/office/drawing/2014/main" id="{34012410-0766-7186-7875-32735ED1EF0A}"/>
               </a:ext>
             </a:extLst>
@@ -5008,7 +5211,165 @@
 </p:sld>
 </file>
 
-<file path=ppt/slides/slide21.xml><?xml version="1.0" encoding="utf-8"?>
+<file path=ppt/slides/slide22.xml><?xml version="1.0" encoding="utf-8"?>
+<p:sld xmlns:a="http://schemas.openxmlformats.org/drawingml/2006/main" xmlns:r="http://schemas.openxmlformats.org/officeDocument/2006/relationships" xmlns:p="http://schemas.openxmlformats.org/presentationml/2006/main">
+  <p:cSld>
+    <p:spTree>
+      <p:nvGrpSpPr>
+        <p:cNvPr id="1" name=""/>
+        <p:cNvGrpSpPr/>
+        <p:nvPr/>
+      </p:nvGrpSpPr>
+      <p:grpSpPr>
+        <a:xfrm>
+          <a:off x="0" y="0"/>
+          <a:ext cx="0" cy="0"/>
+          <a:chOff x="0" y="0"/>
+          <a:chExt cx="0" cy="0"/>
+        </a:xfrm>
+      </p:grpSpPr>
+      <p:sp>
+        <p:nvSpPr>
+          <p:cNvPr id="2" name="Título 1">
+            <a:extLst>
+              <a:ext uri="{FF2B5EF4-FFF2-40B4-BE49-F238E27FC236}">
+                <a16:creationId xmlns:a16="http://schemas.microsoft.com/office/drawing/2014/main" id="{227E47FD-5E48-30D2-7278-4AF834E67EE1}"/>
+              </a:ext>
+            </a:extLst>
+          </p:cNvPr>
+          <p:cNvSpPr>
+            <a:spLocks noGrp="1"/>
+          </p:cNvSpPr>
+          <p:nvPr>
+            <p:ph type="title"/>
+          </p:nvPr>
+        </p:nvSpPr>
+        <p:spPr/>
+        <p:txBody>
+          <a:bodyPr/>
+          <a:lstStyle/>
+          <a:p>
+            <a:endParaRPr lang="pt-BR"/>
+          </a:p>
+        </p:txBody>
+      </p:sp>
+      <p:sp>
+        <p:nvSpPr>
+          <p:cNvPr id="3" name="Espaço Reservado para Conteúdo 2">
+            <a:extLst>
+              <a:ext uri="{FF2B5EF4-FFF2-40B4-BE49-F238E27FC236}">
+                <a16:creationId xmlns:a16="http://schemas.microsoft.com/office/drawing/2014/main" id="{19CBF881-502D-FE52-E53E-97DB2C6874A0}"/>
+              </a:ext>
+            </a:extLst>
+          </p:cNvPr>
+          <p:cNvSpPr>
+            <a:spLocks noGrp="1"/>
+          </p:cNvSpPr>
+          <p:nvPr>
+            <p:ph idx="1"/>
+          </p:nvPr>
+        </p:nvSpPr>
+        <p:spPr/>
+        <p:txBody>
+          <a:bodyPr/>
+          <a:lstStyle/>
+          <a:p>
+            <a:pPr marL="0" indent="0">
+              <a:buNone/>
+            </a:pPr>
+            <a:r>
+              <a:rPr lang="pt-BR" dirty="0" err="1"/>
+              <a:t>public</a:t>
+            </a:r>
+            <a:r>
+              <a:rPr lang="pt-BR" dirty="0"/>
+              <a:t> abstract </a:t>
+            </a:r>
+            <a:r>
+              <a:rPr lang="pt-BR" dirty="0" err="1"/>
+              <a:t>class</a:t>
+            </a:r>
+            <a:r>
+              <a:rPr lang="pt-BR" dirty="0"/>
+              <a:t> </a:t>
+            </a:r>
+            <a:r>
+              <a:rPr lang="pt-BR" dirty="0" err="1"/>
+              <a:t>Funcionario</a:t>
+            </a:r>
+            <a:r>
+              <a:rPr lang="pt-BR" dirty="0"/>
+              <a:t> {</a:t>
+            </a:r>
+          </a:p>
+          <a:p>
+            <a:pPr marL="0" indent="0">
+              <a:buNone/>
+            </a:pPr>
+            <a:r>
+              <a:rPr lang="pt-BR"/>
+              <a:t>	...</a:t>
+            </a:r>
+            <a:endParaRPr lang="pt-BR" dirty="0"/>
+          </a:p>
+          <a:p>
+            <a:pPr marL="0" indent="0">
+              <a:buNone/>
+            </a:pPr>
+            <a:r>
+              <a:rPr lang="pt-BR" dirty="0"/>
+              <a:t>	</a:t>
+            </a:r>
+            <a:r>
+              <a:rPr lang="pt-BR" dirty="0" err="1"/>
+              <a:t>public</a:t>
+            </a:r>
+            <a:r>
+              <a:rPr lang="pt-BR" dirty="0"/>
+              <a:t> abstract </a:t>
+            </a:r>
+            <a:r>
+              <a:rPr lang="pt-BR" dirty="0" err="1"/>
+              <a:t>float</a:t>
+            </a:r>
+            <a:r>
+              <a:rPr lang="pt-BR" dirty="0"/>
+              <a:t> </a:t>
+            </a:r>
+            <a:r>
+              <a:rPr lang="pt-BR" dirty="0" err="1"/>
+              <a:t>calculaSalario</a:t>
+            </a:r>
+            <a:r>
+              <a:rPr lang="pt-BR" dirty="0"/>
+              <a:t>();</a:t>
+            </a:r>
+          </a:p>
+          <a:p>
+            <a:pPr marL="0" indent="0">
+              <a:buNone/>
+            </a:pPr>
+            <a:r>
+              <a:rPr lang="pt-BR" dirty="0"/>
+              <a:t>}</a:t>
+            </a:r>
+          </a:p>
+        </p:txBody>
+      </p:sp>
+    </p:spTree>
+    <p:extLst>
+      <p:ext uri="{BB962C8B-B14F-4D97-AF65-F5344CB8AC3E}">
+        <p14:creationId xmlns:p14="http://schemas.microsoft.com/office/powerpoint/2010/main" val="3301950482"/>
+      </p:ext>
+    </p:extLst>
+  </p:cSld>
+  <p:clrMapOvr>
+    <a:masterClrMapping/>
+  </p:clrMapOvr>
+</p:sld>
+</file>
+
+<file path=ppt/slides/slide23.xml><?xml version="1.0" encoding="utf-8"?>
 <p:sld xmlns:a="http://schemas.openxmlformats.org/drawingml/2006/main" xmlns:r="http://schemas.openxmlformats.org/officeDocument/2006/relationships" xmlns:p="http://schemas.openxmlformats.org/presentationml/2006/main">
   <p:cSld>
     <p:spTree>
